--- a/Slide+Report/[Group 10] Caro & Tictactoe - Present.pptx
+++ b/Slide+Report/[Group 10] Caro & Tictactoe - Present.pptx
@@ -36636,7 +36636,7 @@
                 <a:cs typeface="Arial"/>
                 <a:sym typeface="Arial"/>
               </a:rPr>
-              <a:t>NỘI DUNG</a:t>
+              <a:t>LAYOUT</a:t>
             </a:r>
             <a:endParaRPr>
               <a:latin typeface="Arial"/>
@@ -41717,7 +41717,7 @@
             <a:tbl>
               <a:tblPr bandRow="1" firstRow="1">
                 <a:noFill/>
-                <a:tableStyleId>{779CB903-1AB7-4098-96CE-BC156AA16D0C}</a:tableStyleId>
+                <a:tableStyleId>{86AD40DC-91A8-427A-919A-50E504307511}</a:tableStyleId>
               </a:tblPr>
               <a:tblGrid>
                 <a:gridCol w="3278175"/>
@@ -44306,7 +44306,7 @@
             <a:tbl>
               <a:tblPr>
                 <a:noFill/>
-                <a:tableStyleId>{486982C0-D14E-41B2-A27A-351BE890CEA9}</a:tableStyleId>
+                <a:tableStyleId>{07762D65-769C-4043-BC22-BB0BBFA20DC0}</a:tableStyleId>
               </a:tblPr>
               <a:tblGrid>
                 <a:gridCol w="2413000"/>
